--- a/results/figures/illustrator/fig_1.pptx
+++ b/results/figures/illustrator/fig_1.pptx
@@ -5,12 +5,13 @@
     <p:sldMasterId id="2147483648" r:id="rId1"/>
   </p:sldMasterIdLst>
   <p:notesMasterIdLst>
-    <p:notesMasterId r:id="rId5"/>
+    <p:notesMasterId r:id="rId6"/>
   </p:notesMasterIdLst>
   <p:sldIdLst>
     <p:sldId id="256" r:id="rId2"/>
-    <p:sldId id="258" r:id="rId3"/>
-    <p:sldId id="257" r:id="rId4"/>
+    <p:sldId id="259" r:id="rId3"/>
+    <p:sldId id="258" r:id="rId4"/>
+    <p:sldId id="257" r:id="rId5"/>
   </p:sldIdLst>
   <p:sldSz cx="12192000" cy="6858000"/>
   <p:notesSz cx="6858000" cy="9144000"/>
@@ -109,6 +110,11 @@
       </a:defRPr>
     </a:lvl9pPr>
   </p:defaultTextStyle>
+  <p:extLst>
+    <p:ext uri="{EFAFB233-063F-42B5-8137-9DF3F51BA10A}">
+      <p15:sldGuideLst xmlns:p15="http://schemas.microsoft.com/office/powerpoint/2012/main"/>
+    </p:ext>
+  </p:extLst>
 </p:presentation>
 </file>
 
@@ -194,7 +200,7 @@
           <a:p>
             <a:fld id="{BDC04606-80EF-5D44-9198-803DFA1FF3B4}" type="datetimeFigureOut">
               <a:rPr lang="pt-BR" smtClean="0"/>
-              <a:t>02/11/2024</a:t>
+              <a:t>06/11/2024</a:t>
             </a:fld>
             <a:endParaRPr lang="pt-BR"/>
           </a:p>
@@ -546,6 +552,114 @@
 </p:notes>
 </file>
 
+<file path=ppt/notesSlides/notesSlide2.xml><?xml version="1.0" encoding="utf-8"?>
+<p:notes xmlns:a="http://schemas.openxmlformats.org/drawingml/2006/main" xmlns:r="http://schemas.openxmlformats.org/officeDocument/2006/relationships" xmlns:p="http://schemas.openxmlformats.org/presentationml/2006/main">
+  <p:cSld>
+    <p:spTree>
+      <p:nvGrpSpPr>
+        <p:cNvPr id="1" name="">
+          <a:extLst>
+            <a:ext uri="{FF2B5EF4-FFF2-40B4-BE49-F238E27FC236}">
+              <a16:creationId xmlns:a16="http://schemas.microsoft.com/office/drawing/2014/main" id="{B2223FC9-7A8A-C5FD-B891-0F4B30ED673E}"/>
+            </a:ext>
+          </a:extLst>
+        </p:cNvPr>
+        <p:cNvGrpSpPr/>
+        <p:nvPr/>
+      </p:nvGrpSpPr>
+      <p:grpSpPr>
+        <a:xfrm>
+          <a:off x="0" y="0"/>
+          <a:ext cx="0" cy="0"/>
+          <a:chOff x="0" y="0"/>
+          <a:chExt cx="0" cy="0"/>
+        </a:xfrm>
+      </p:grpSpPr>
+      <p:sp>
+        <p:nvSpPr>
+          <p:cNvPr id="2" name="Slide Image Placeholder 1">
+            <a:extLst>
+              <a:ext uri="{FF2B5EF4-FFF2-40B4-BE49-F238E27FC236}">
+                <a16:creationId xmlns:a16="http://schemas.microsoft.com/office/drawing/2014/main" id="{6B662373-D7AC-1DB9-D4C8-C04B5745A23E}"/>
+              </a:ext>
+            </a:extLst>
+          </p:cNvPr>
+          <p:cNvSpPr>
+            <a:spLocks noGrp="1" noRot="1" noChangeAspect="1"/>
+          </p:cNvSpPr>
+          <p:nvPr>
+            <p:ph type="sldImg"/>
+          </p:nvPr>
+        </p:nvSpPr>
+        <p:spPr/>
+      </p:sp>
+      <p:sp>
+        <p:nvSpPr>
+          <p:cNvPr id="3" name="Notes Placeholder 2">
+            <a:extLst>
+              <a:ext uri="{FF2B5EF4-FFF2-40B4-BE49-F238E27FC236}">
+                <a16:creationId xmlns:a16="http://schemas.microsoft.com/office/drawing/2014/main" id="{12855CE1-B4CC-7C41-CED6-0E1ED9CE0ADA}"/>
+              </a:ext>
+            </a:extLst>
+          </p:cNvPr>
+          <p:cNvSpPr>
+            <a:spLocks noGrp="1"/>
+          </p:cNvSpPr>
+          <p:nvPr>
+            <p:ph type="body" idx="1"/>
+          </p:nvPr>
+        </p:nvSpPr>
+        <p:spPr/>
+        <p:txBody>
+          <a:bodyPr/>
+          <a:lstStyle/>
+          <a:p>
+            <a:endParaRPr lang="pt-BR" dirty="0"/>
+          </a:p>
+        </p:txBody>
+      </p:sp>
+      <p:sp>
+        <p:nvSpPr>
+          <p:cNvPr id="4" name="Slide Number Placeholder 3">
+            <a:extLst>
+              <a:ext uri="{FF2B5EF4-FFF2-40B4-BE49-F238E27FC236}">
+                <a16:creationId xmlns:a16="http://schemas.microsoft.com/office/drawing/2014/main" id="{28B9E304-C5A4-670E-0238-44733F13A726}"/>
+              </a:ext>
+            </a:extLst>
+          </p:cNvPr>
+          <p:cNvSpPr>
+            <a:spLocks noGrp="1"/>
+          </p:cNvSpPr>
+          <p:nvPr>
+            <p:ph type="sldNum" sz="quarter" idx="5"/>
+          </p:nvPr>
+        </p:nvSpPr>
+        <p:spPr/>
+        <p:txBody>
+          <a:bodyPr/>
+          <a:lstStyle/>
+          <a:p>
+            <a:fld id="{2EF02CD0-801B-0C4C-9E57-9C7742179810}" type="slidenum">
+              <a:rPr lang="pt-BR" smtClean="0"/>
+              <a:t>2</a:t>
+            </a:fld>
+            <a:endParaRPr lang="pt-BR"/>
+          </a:p>
+        </p:txBody>
+      </p:sp>
+    </p:spTree>
+    <p:extLst>
+      <p:ext uri="{BB962C8B-B14F-4D97-AF65-F5344CB8AC3E}">
+        <p14:creationId xmlns:p14="http://schemas.microsoft.com/office/powerpoint/2010/main" val="1071778728"/>
+      </p:ext>
+    </p:extLst>
+  </p:cSld>
+  <p:clrMapOvr>
+    <a:masterClrMapping/>
+  </p:clrMapOvr>
+</p:notes>
+</file>
+
 <file path=ppt/slideLayouts/slideLayout1.xml><?xml version="1.0" encoding="utf-8"?>
 <p:sldLayout xmlns:a="http://schemas.openxmlformats.org/drawingml/2006/main" xmlns:r="http://schemas.openxmlformats.org/officeDocument/2006/relationships" xmlns:p="http://schemas.openxmlformats.org/presentationml/2006/main" type="title" preserve="1">
   <p:cSld name="Title Slide">
@@ -695,7 +809,7 @@
           <a:p>
             <a:fld id="{6BF8AF09-2E6E-734D-A53B-B5A016D0D6F1}" type="datetimeFigureOut">
               <a:rPr lang="pt-BR" smtClean="0"/>
-              <a:t>01/11/2024</a:t>
+              <a:t>06/11/2024</a:t>
             </a:fld>
             <a:endParaRPr lang="pt-BR"/>
           </a:p>
@@ -895,7 +1009,7 @@
           <a:p>
             <a:fld id="{6BF8AF09-2E6E-734D-A53B-B5A016D0D6F1}" type="datetimeFigureOut">
               <a:rPr lang="pt-BR" smtClean="0"/>
-              <a:t>01/11/2024</a:t>
+              <a:t>06/11/2024</a:t>
             </a:fld>
             <a:endParaRPr lang="pt-BR"/>
           </a:p>
@@ -1105,7 +1219,7 @@
           <a:p>
             <a:fld id="{6BF8AF09-2E6E-734D-A53B-B5A016D0D6F1}" type="datetimeFigureOut">
               <a:rPr lang="pt-BR" smtClean="0"/>
-              <a:t>01/11/2024</a:t>
+              <a:t>06/11/2024</a:t>
             </a:fld>
             <a:endParaRPr lang="pt-BR"/>
           </a:p>
@@ -1305,7 +1419,7 @@
           <a:p>
             <a:fld id="{6BF8AF09-2E6E-734D-A53B-B5A016D0D6F1}" type="datetimeFigureOut">
               <a:rPr lang="pt-BR" smtClean="0"/>
-              <a:t>01/11/2024</a:t>
+              <a:t>06/11/2024</a:t>
             </a:fld>
             <a:endParaRPr lang="pt-BR"/>
           </a:p>
@@ -1581,7 +1695,7 @@
           <a:p>
             <a:fld id="{6BF8AF09-2E6E-734D-A53B-B5A016D0D6F1}" type="datetimeFigureOut">
               <a:rPr lang="pt-BR" smtClean="0"/>
-              <a:t>01/11/2024</a:t>
+              <a:t>06/11/2024</a:t>
             </a:fld>
             <a:endParaRPr lang="pt-BR"/>
           </a:p>
@@ -1849,7 +1963,7 @@
           <a:p>
             <a:fld id="{6BF8AF09-2E6E-734D-A53B-B5A016D0D6F1}" type="datetimeFigureOut">
               <a:rPr lang="pt-BR" smtClean="0"/>
-              <a:t>01/11/2024</a:t>
+              <a:t>06/11/2024</a:t>
             </a:fld>
             <a:endParaRPr lang="pt-BR"/>
           </a:p>
@@ -2264,7 +2378,7 @@
           <a:p>
             <a:fld id="{6BF8AF09-2E6E-734D-A53B-B5A016D0D6F1}" type="datetimeFigureOut">
               <a:rPr lang="pt-BR" smtClean="0"/>
-              <a:t>01/11/2024</a:t>
+              <a:t>06/11/2024</a:t>
             </a:fld>
             <a:endParaRPr lang="pt-BR"/>
           </a:p>
@@ -2406,7 +2520,7 @@
           <a:p>
             <a:fld id="{6BF8AF09-2E6E-734D-A53B-B5A016D0D6F1}" type="datetimeFigureOut">
               <a:rPr lang="pt-BR" smtClean="0"/>
-              <a:t>01/11/2024</a:t>
+              <a:t>06/11/2024</a:t>
             </a:fld>
             <a:endParaRPr lang="pt-BR"/>
           </a:p>
@@ -2519,7 +2633,7 @@
           <a:p>
             <a:fld id="{6BF8AF09-2E6E-734D-A53B-B5A016D0D6F1}" type="datetimeFigureOut">
               <a:rPr lang="pt-BR" smtClean="0"/>
-              <a:t>01/11/2024</a:t>
+              <a:t>06/11/2024</a:t>
             </a:fld>
             <a:endParaRPr lang="pt-BR"/>
           </a:p>
@@ -2832,7 +2946,7 @@
           <a:p>
             <a:fld id="{6BF8AF09-2E6E-734D-A53B-B5A016D0D6F1}" type="datetimeFigureOut">
               <a:rPr lang="pt-BR" smtClean="0"/>
-              <a:t>01/11/2024</a:t>
+              <a:t>06/11/2024</a:t>
             </a:fld>
             <a:endParaRPr lang="pt-BR"/>
           </a:p>
@@ -3121,7 +3235,7 @@
           <a:p>
             <a:fld id="{6BF8AF09-2E6E-734D-A53B-B5A016D0D6F1}" type="datetimeFigureOut">
               <a:rPr lang="pt-BR" smtClean="0"/>
-              <a:t>01/11/2024</a:t>
+              <a:t>06/11/2024</a:t>
             </a:fld>
             <a:endParaRPr lang="pt-BR"/>
           </a:p>
@@ -3364,7 +3478,7 @@
           <a:p>
             <a:fld id="{6BF8AF09-2E6E-734D-A53B-B5A016D0D6F1}" type="datetimeFigureOut">
               <a:rPr lang="pt-BR" smtClean="0"/>
-              <a:t>01/11/2024</a:t>
+              <a:t>06/11/2024</a:t>
             </a:fld>
             <a:endParaRPr lang="pt-BR"/>
           </a:p>
@@ -4297,6 +4411,180 @@
   <p:cSld>
     <p:spTree>
       <p:nvGrpSpPr>
+        <p:cNvPr id="1" name="">
+          <a:extLst>
+            <a:ext uri="{FF2B5EF4-FFF2-40B4-BE49-F238E27FC236}">
+              <a16:creationId xmlns:a16="http://schemas.microsoft.com/office/drawing/2014/main" id="{7D8A96A7-5570-F4C8-570C-5019A69BD3E4}"/>
+            </a:ext>
+          </a:extLst>
+        </p:cNvPr>
+        <p:cNvGrpSpPr/>
+        <p:nvPr/>
+      </p:nvGrpSpPr>
+      <p:grpSpPr>
+        <a:xfrm>
+          <a:off x="0" y="0"/>
+          <a:ext cx="0" cy="0"/>
+          <a:chOff x="0" y="0"/>
+          <a:chExt cx="0" cy="0"/>
+        </a:xfrm>
+      </p:grpSpPr>
+      <p:sp>
+        <p:nvSpPr>
+          <p:cNvPr id="92" name="Rectangle 91">
+            <a:extLst>
+              <a:ext uri="{FF2B5EF4-FFF2-40B4-BE49-F238E27FC236}">
+                <a16:creationId xmlns:a16="http://schemas.microsoft.com/office/drawing/2014/main" id="{C8F916FF-1B25-2246-C5DB-4B5878264511}"/>
+              </a:ext>
+            </a:extLst>
+          </p:cNvPr>
+          <p:cNvSpPr/>
+          <p:nvPr/>
+        </p:nvSpPr>
+        <p:spPr>
+          <a:xfrm>
+            <a:off x="-106017" y="-531347"/>
+            <a:ext cx="12298017" cy="9663867"/>
+          </a:xfrm>
+          <a:prstGeom prst="rect">
+            <a:avLst/>
+          </a:prstGeom>
+          <a:solidFill>
+            <a:schemeClr val="bg1"/>
+          </a:solidFill>
+          <a:ln>
+            <a:noFill/>
+          </a:ln>
+        </p:spPr>
+        <p:style>
+          <a:lnRef idx="2">
+            <a:schemeClr val="accent6"/>
+          </a:lnRef>
+          <a:fillRef idx="1">
+            <a:schemeClr val="lt1"/>
+          </a:fillRef>
+          <a:effectRef idx="0">
+            <a:schemeClr val="accent6"/>
+          </a:effectRef>
+          <a:fontRef idx="minor">
+            <a:schemeClr val="dk1"/>
+          </a:fontRef>
+        </p:style>
+        <p:txBody>
+          <a:bodyPr rtlCol="0" anchor="ctr"/>
+          <a:lstStyle/>
+          <a:p>
+            <a:pPr algn="ctr"/>
+            <a:endParaRPr lang="pt-BR" dirty="0"/>
+          </a:p>
+        </p:txBody>
+      </p:sp>
+      <p:pic>
+        <p:nvPicPr>
+          <p:cNvPr id="7" name="Picture 6">
+            <a:extLst>
+              <a:ext uri="{FF2B5EF4-FFF2-40B4-BE49-F238E27FC236}">
+                <a16:creationId xmlns:a16="http://schemas.microsoft.com/office/drawing/2014/main" id="{A809966A-C805-E4A7-FE83-FC41889F8D5C}"/>
+              </a:ext>
+            </a:extLst>
+          </p:cNvPr>
+          <p:cNvPicPr>
+            <a:picLocks noChangeAspect="1"/>
+          </p:cNvPicPr>
+          <p:nvPr/>
+        </p:nvPicPr>
+        <p:blipFill>
+          <a:blip r:embed="rId3"/>
+          <a:srcRect b="15461"/>
+          <a:stretch/>
+        </p:blipFill>
+        <p:spPr>
+          <a:xfrm>
+            <a:off x="1807670" y="-139110"/>
+            <a:ext cx="8119596" cy="4004140"/>
+          </a:xfrm>
+          <a:prstGeom prst="rect">
+            <a:avLst/>
+          </a:prstGeom>
+        </p:spPr>
+      </p:pic>
+      <p:pic>
+        <p:nvPicPr>
+          <p:cNvPr id="129" name="Picture 128">
+            <a:extLst>
+              <a:ext uri="{FF2B5EF4-FFF2-40B4-BE49-F238E27FC236}">
+                <a16:creationId xmlns:a16="http://schemas.microsoft.com/office/drawing/2014/main" id="{08275203-DE2D-D13C-1117-F1EEC3757496}"/>
+              </a:ext>
+            </a:extLst>
+          </p:cNvPr>
+          <p:cNvPicPr>
+            <a:picLocks noChangeAspect="1"/>
+          </p:cNvPicPr>
+          <p:nvPr/>
+        </p:nvPicPr>
+        <p:blipFill>
+          <a:blip r:embed="rId3"/>
+          <a:srcRect t="89735" b="2967"/>
+          <a:stretch/>
+        </p:blipFill>
+        <p:spPr>
+          <a:xfrm>
+            <a:off x="2512773" y="3838526"/>
+            <a:ext cx="6364836" cy="270980"/>
+          </a:xfrm>
+          <a:prstGeom prst="rect">
+            <a:avLst/>
+          </a:prstGeom>
+        </p:spPr>
+      </p:pic>
+      <p:pic>
+        <p:nvPicPr>
+          <p:cNvPr id="3" name="Picture 2">
+            <a:extLst>
+              <a:ext uri="{FF2B5EF4-FFF2-40B4-BE49-F238E27FC236}">
+                <a16:creationId xmlns:a16="http://schemas.microsoft.com/office/drawing/2014/main" id="{0EF795FE-58CD-0958-BCBB-AE5DD07AC239}"/>
+              </a:ext>
+            </a:extLst>
+          </p:cNvPr>
+          <p:cNvPicPr>
+            <a:picLocks noChangeAspect="1"/>
+          </p:cNvPicPr>
+          <p:nvPr/>
+        </p:nvPicPr>
+        <p:blipFill>
+          <a:blip r:embed="rId4"/>
+          <a:stretch>
+            <a:fillRect/>
+          </a:stretch>
+        </p:blipFill>
+        <p:spPr>
+          <a:xfrm>
+            <a:off x="1959497" y="4109506"/>
+            <a:ext cx="7630588" cy="3815294"/>
+          </a:xfrm>
+          <a:prstGeom prst="rect">
+            <a:avLst/>
+          </a:prstGeom>
+        </p:spPr>
+      </p:pic>
+    </p:spTree>
+    <p:extLst>
+      <p:ext uri="{BB962C8B-B14F-4D97-AF65-F5344CB8AC3E}">
+        <p14:creationId xmlns:p14="http://schemas.microsoft.com/office/powerpoint/2010/main" val="358396856"/>
+      </p:ext>
+    </p:extLst>
+  </p:cSld>
+  <p:clrMapOvr>
+    <a:masterClrMapping/>
+  </p:clrMapOvr>
+</p:sld>
+</file>
+
+<file path=ppt/slides/slide3.xml><?xml version="1.0" encoding="utf-8"?>
+<p:sld xmlns:a="http://schemas.openxmlformats.org/drawingml/2006/main" xmlns:r="http://schemas.openxmlformats.org/officeDocument/2006/relationships" xmlns:p="http://schemas.openxmlformats.org/presentationml/2006/main">
+  <p:cSld>
+    <p:spTree>
+      <p:nvGrpSpPr>
         <p:cNvPr id="1" name=""/>
         <p:cNvGrpSpPr/>
         <p:nvPr/>
@@ -4322,7 +4610,7 @@
 </p:sld>
 </file>
 
-<file path=ppt/slides/slide3.xml><?xml version="1.0" encoding="utf-8"?>
+<file path=ppt/slides/slide4.xml><?xml version="1.0" encoding="utf-8"?>
 <p:sld xmlns:a="http://schemas.openxmlformats.org/drawingml/2006/main" xmlns:r="http://schemas.openxmlformats.org/officeDocument/2006/relationships" xmlns:p="http://schemas.openxmlformats.org/presentationml/2006/main">
   <p:cSld>
     <p:spTree>

--- a/results/figures/illustrator/fig_1.pptx
+++ b/results/figures/illustrator/fig_1.pptx
@@ -200,7 +200,7 @@
           <a:p>
             <a:fld id="{BDC04606-80EF-5D44-9198-803DFA1FF3B4}" type="datetimeFigureOut">
               <a:rPr lang="pt-BR" smtClean="0"/>
-              <a:t>06/11/2024</a:t>
+              <a:t>12/11/2024</a:t>
             </a:fld>
             <a:endParaRPr lang="pt-BR"/>
           </a:p>
@@ -809,7 +809,7 @@
           <a:p>
             <a:fld id="{6BF8AF09-2E6E-734D-A53B-B5A016D0D6F1}" type="datetimeFigureOut">
               <a:rPr lang="pt-BR" smtClean="0"/>
-              <a:t>06/11/2024</a:t>
+              <a:t>12/11/2024</a:t>
             </a:fld>
             <a:endParaRPr lang="pt-BR"/>
           </a:p>
@@ -1009,7 +1009,7 @@
           <a:p>
             <a:fld id="{6BF8AF09-2E6E-734D-A53B-B5A016D0D6F1}" type="datetimeFigureOut">
               <a:rPr lang="pt-BR" smtClean="0"/>
-              <a:t>06/11/2024</a:t>
+              <a:t>12/11/2024</a:t>
             </a:fld>
             <a:endParaRPr lang="pt-BR"/>
           </a:p>
@@ -1219,7 +1219,7 @@
           <a:p>
             <a:fld id="{6BF8AF09-2E6E-734D-A53B-B5A016D0D6F1}" type="datetimeFigureOut">
               <a:rPr lang="pt-BR" smtClean="0"/>
-              <a:t>06/11/2024</a:t>
+              <a:t>12/11/2024</a:t>
             </a:fld>
             <a:endParaRPr lang="pt-BR"/>
           </a:p>
@@ -1419,7 +1419,7 @@
           <a:p>
             <a:fld id="{6BF8AF09-2E6E-734D-A53B-B5A016D0D6F1}" type="datetimeFigureOut">
               <a:rPr lang="pt-BR" smtClean="0"/>
-              <a:t>06/11/2024</a:t>
+              <a:t>12/11/2024</a:t>
             </a:fld>
             <a:endParaRPr lang="pt-BR"/>
           </a:p>
@@ -1695,7 +1695,7 @@
           <a:p>
             <a:fld id="{6BF8AF09-2E6E-734D-A53B-B5A016D0D6F1}" type="datetimeFigureOut">
               <a:rPr lang="pt-BR" smtClean="0"/>
-              <a:t>06/11/2024</a:t>
+              <a:t>12/11/2024</a:t>
             </a:fld>
             <a:endParaRPr lang="pt-BR"/>
           </a:p>
@@ -1963,7 +1963,7 @@
           <a:p>
             <a:fld id="{6BF8AF09-2E6E-734D-A53B-B5A016D0D6F1}" type="datetimeFigureOut">
               <a:rPr lang="pt-BR" smtClean="0"/>
-              <a:t>06/11/2024</a:t>
+              <a:t>12/11/2024</a:t>
             </a:fld>
             <a:endParaRPr lang="pt-BR"/>
           </a:p>
@@ -2378,7 +2378,7 @@
           <a:p>
             <a:fld id="{6BF8AF09-2E6E-734D-A53B-B5A016D0D6F1}" type="datetimeFigureOut">
               <a:rPr lang="pt-BR" smtClean="0"/>
-              <a:t>06/11/2024</a:t>
+              <a:t>12/11/2024</a:t>
             </a:fld>
             <a:endParaRPr lang="pt-BR"/>
           </a:p>
@@ -2520,7 +2520,7 @@
           <a:p>
             <a:fld id="{6BF8AF09-2E6E-734D-A53B-B5A016D0D6F1}" type="datetimeFigureOut">
               <a:rPr lang="pt-BR" smtClean="0"/>
-              <a:t>06/11/2024</a:t>
+              <a:t>12/11/2024</a:t>
             </a:fld>
             <a:endParaRPr lang="pt-BR"/>
           </a:p>
@@ -2633,7 +2633,7 @@
           <a:p>
             <a:fld id="{6BF8AF09-2E6E-734D-A53B-B5A016D0D6F1}" type="datetimeFigureOut">
               <a:rPr lang="pt-BR" smtClean="0"/>
-              <a:t>06/11/2024</a:t>
+              <a:t>12/11/2024</a:t>
             </a:fld>
             <a:endParaRPr lang="pt-BR"/>
           </a:p>
@@ -2946,7 +2946,7 @@
           <a:p>
             <a:fld id="{6BF8AF09-2E6E-734D-A53B-B5A016D0D6F1}" type="datetimeFigureOut">
               <a:rPr lang="pt-BR" smtClean="0"/>
-              <a:t>06/11/2024</a:t>
+              <a:t>12/11/2024</a:t>
             </a:fld>
             <a:endParaRPr lang="pt-BR"/>
           </a:p>
@@ -3235,7 +3235,7 @@
           <a:p>
             <a:fld id="{6BF8AF09-2E6E-734D-A53B-B5A016D0D6F1}" type="datetimeFigureOut">
               <a:rPr lang="pt-BR" smtClean="0"/>
-              <a:t>06/11/2024</a:t>
+              <a:t>12/11/2024</a:t>
             </a:fld>
             <a:endParaRPr lang="pt-BR"/>
           </a:p>
@@ -3478,7 +3478,7 @@
           <a:p>
             <a:fld id="{6BF8AF09-2E6E-734D-A53B-B5A016D0D6F1}" type="datetimeFigureOut">
               <a:rPr lang="pt-BR" smtClean="0"/>
-              <a:t>06/11/2024</a:t>
+              <a:t>12/11/2024</a:t>
             </a:fld>
             <a:endParaRPr lang="pt-BR"/>
           </a:p>

--- a/results/figures/illustrator/fig_1.pptx
+++ b/results/figures/illustrator/fig_1.pptx
@@ -5,13 +5,14 @@
     <p:sldMasterId id="2147483648" r:id="rId1"/>
   </p:sldMasterIdLst>
   <p:notesMasterIdLst>
-    <p:notesMasterId r:id="rId6"/>
+    <p:notesMasterId r:id="rId7"/>
   </p:notesMasterIdLst>
   <p:sldIdLst>
     <p:sldId id="256" r:id="rId2"/>
     <p:sldId id="259" r:id="rId3"/>
-    <p:sldId id="258" r:id="rId4"/>
-    <p:sldId id="257" r:id="rId5"/>
+    <p:sldId id="260" r:id="rId4"/>
+    <p:sldId id="258" r:id="rId5"/>
+    <p:sldId id="257" r:id="rId6"/>
   </p:sldIdLst>
   <p:sldSz cx="12192000" cy="6858000"/>
   <p:notesSz cx="6858000" cy="9144000"/>
@@ -200,7 +201,7 @@
           <a:p>
             <a:fld id="{BDC04606-80EF-5D44-9198-803DFA1FF3B4}" type="datetimeFigureOut">
               <a:rPr lang="pt-BR" smtClean="0"/>
-              <a:t>12/11/2024</a:t>
+              <a:t>20/11/2024</a:t>
             </a:fld>
             <a:endParaRPr lang="pt-BR"/>
           </a:p>
@@ -809,7 +810,7 @@
           <a:p>
             <a:fld id="{6BF8AF09-2E6E-734D-A53B-B5A016D0D6F1}" type="datetimeFigureOut">
               <a:rPr lang="pt-BR" smtClean="0"/>
-              <a:t>12/11/2024</a:t>
+              <a:t>20/11/2024</a:t>
             </a:fld>
             <a:endParaRPr lang="pt-BR"/>
           </a:p>
@@ -1009,7 +1010,7 @@
           <a:p>
             <a:fld id="{6BF8AF09-2E6E-734D-A53B-B5A016D0D6F1}" type="datetimeFigureOut">
               <a:rPr lang="pt-BR" smtClean="0"/>
-              <a:t>12/11/2024</a:t>
+              <a:t>20/11/2024</a:t>
             </a:fld>
             <a:endParaRPr lang="pt-BR"/>
           </a:p>
@@ -1219,7 +1220,7 @@
           <a:p>
             <a:fld id="{6BF8AF09-2E6E-734D-A53B-B5A016D0D6F1}" type="datetimeFigureOut">
               <a:rPr lang="pt-BR" smtClean="0"/>
-              <a:t>12/11/2024</a:t>
+              <a:t>20/11/2024</a:t>
             </a:fld>
             <a:endParaRPr lang="pt-BR"/>
           </a:p>
@@ -1419,7 +1420,7 @@
           <a:p>
             <a:fld id="{6BF8AF09-2E6E-734D-A53B-B5A016D0D6F1}" type="datetimeFigureOut">
               <a:rPr lang="pt-BR" smtClean="0"/>
-              <a:t>12/11/2024</a:t>
+              <a:t>20/11/2024</a:t>
             </a:fld>
             <a:endParaRPr lang="pt-BR"/>
           </a:p>
@@ -1695,7 +1696,7 @@
           <a:p>
             <a:fld id="{6BF8AF09-2E6E-734D-A53B-B5A016D0D6F1}" type="datetimeFigureOut">
               <a:rPr lang="pt-BR" smtClean="0"/>
-              <a:t>12/11/2024</a:t>
+              <a:t>20/11/2024</a:t>
             </a:fld>
             <a:endParaRPr lang="pt-BR"/>
           </a:p>
@@ -1963,7 +1964,7 @@
           <a:p>
             <a:fld id="{6BF8AF09-2E6E-734D-A53B-B5A016D0D6F1}" type="datetimeFigureOut">
               <a:rPr lang="pt-BR" smtClean="0"/>
-              <a:t>12/11/2024</a:t>
+              <a:t>20/11/2024</a:t>
             </a:fld>
             <a:endParaRPr lang="pt-BR"/>
           </a:p>
@@ -2378,7 +2379,7 @@
           <a:p>
             <a:fld id="{6BF8AF09-2E6E-734D-A53B-B5A016D0D6F1}" type="datetimeFigureOut">
               <a:rPr lang="pt-BR" smtClean="0"/>
-              <a:t>12/11/2024</a:t>
+              <a:t>20/11/2024</a:t>
             </a:fld>
             <a:endParaRPr lang="pt-BR"/>
           </a:p>
@@ -2520,7 +2521,7 @@
           <a:p>
             <a:fld id="{6BF8AF09-2E6E-734D-A53B-B5A016D0D6F1}" type="datetimeFigureOut">
               <a:rPr lang="pt-BR" smtClean="0"/>
-              <a:t>12/11/2024</a:t>
+              <a:t>20/11/2024</a:t>
             </a:fld>
             <a:endParaRPr lang="pt-BR"/>
           </a:p>
@@ -2633,7 +2634,7 @@
           <a:p>
             <a:fld id="{6BF8AF09-2E6E-734D-A53B-B5A016D0D6F1}" type="datetimeFigureOut">
               <a:rPr lang="pt-BR" smtClean="0"/>
-              <a:t>12/11/2024</a:t>
+              <a:t>20/11/2024</a:t>
             </a:fld>
             <a:endParaRPr lang="pt-BR"/>
           </a:p>
@@ -2946,7 +2947,7 @@
           <a:p>
             <a:fld id="{6BF8AF09-2E6E-734D-A53B-B5A016D0D6F1}" type="datetimeFigureOut">
               <a:rPr lang="pt-BR" smtClean="0"/>
-              <a:t>12/11/2024</a:t>
+              <a:t>20/11/2024</a:t>
             </a:fld>
             <a:endParaRPr lang="pt-BR"/>
           </a:p>
@@ -3235,7 +3236,7 @@
           <a:p>
             <a:fld id="{6BF8AF09-2E6E-734D-A53B-B5A016D0D6F1}" type="datetimeFigureOut">
               <a:rPr lang="pt-BR" smtClean="0"/>
-              <a:t>12/11/2024</a:t>
+              <a:t>20/11/2024</a:t>
             </a:fld>
             <a:endParaRPr lang="pt-BR"/>
           </a:p>
@@ -3478,7 +3479,7 @@
           <a:p>
             <a:fld id="{6BF8AF09-2E6E-734D-A53B-B5A016D0D6F1}" type="datetimeFigureOut">
               <a:rPr lang="pt-BR" smtClean="0"/>
-              <a:t>12/11/2024</a:t>
+              <a:t>20/11/2024</a:t>
             </a:fld>
             <a:endParaRPr lang="pt-BR"/>
           </a:p>
@@ -4597,6 +4598,175 @@
           <a:chExt cx="0" cy="0"/>
         </a:xfrm>
       </p:grpSpPr>
+      <p:sp>
+        <p:nvSpPr>
+          <p:cNvPr id="6" name="Rectangle 5">
+            <a:extLst>
+              <a:ext uri="{FF2B5EF4-FFF2-40B4-BE49-F238E27FC236}">
+                <a16:creationId xmlns:a16="http://schemas.microsoft.com/office/drawing/2014/main" id="{A74350EB-BAB6-97BA-1A5B-962BC27BBD82}"/>
+              </a:ext>
+            </a:extLst>
+          </p:cNvPr>
+          <p:cNvSpPr/>
+          <p:nvPr/>
+        </p:nvSpPr>
+        <p:spPr>
+          <a:xfrm>
+            <a:off x="-106017" y="-531347"/>
+            <a:ext cx="12298017" cy="9663867"/>
+          </a:xfrm>
+          <a:prstGeom prst="rect">
+            <a:avLst/>
+          </a:prstGeom>
+          <a:solidFill>
+            <a:schemeClr val="bg1"/>
+          </a:solidFill>
+          <a:ln>
+            <a:noFill/>
+          </a:ln>
+        </p:spPr>
+        <p:style>
+          <a:lnRef idx="2">
+            <a:schemeClr val="accent6"/>
+          </a:lnRef>
+          <a:fillRef idx="1">
+            <a:schemeClr val="lt1"/>
+          </a:fillRef>
+          <a:effectRef idx="0">
+            <a:schemeClr val="accent6"/>
+          </a:effectRef>
+          <a:fontRef idx="minor">
+            <a:schemeClr val="dk1"/>
+          </a:fontRef>
+        </p:style>
+        <p:txBody>
+          <a:bodyPr rtlCol="0" anchor="ctr"/>
+          <a:lstStyle/>
+          <a:p>
+            <a:pPr algn="ctr"/>
+            <a:endParaRPr lang="pt-BR" dirty="0"/>
+          </a:p>
+        </p:txBody>
+      </p:sp>
+      <p:pic>
+        <p:nvPicPr>
+          <p:cNvPr id="7" name="Picture 6">
+            <a:extLst>
+              <a:ext uri="{FF2B5EF4-FFF2-40B4-BE49-F238E27FC236}">
+                <a16:creationId xmlns:a16="http://schemas.microsoft.com/office/drawing/2014/main" id="{4EBF98A8-F981-2397-61D4-B5CFEECB6AD6}"/>
+              </a:ext>
+            </a:extLst>
+          </p:cNvPr>
+          <p:cNvPicPr>
+            <a:picLocks noChangeAspect="1"/>
+          </p:cNvPicPr>
+          <p:nvPr/>
+        </p:nvPicPr>
+        <p:blipFill>
+          <a:blip r:embed="rId2"/>
+          <a:srcRect t="89735" b="2967"/>
+          <a:stretch/>
+        </p:blipFill>
+        <p:spPr>
+          <a:xfrm>
+            <a:off x="2512773" y="3838526"/>
+            <a:ext cx="6364836" cy="270980"/>
+          </a:xfrm>
+          <a:prstGeom prst="rect">
+            <a:avLst/>
+          </a:prstGeom>
+        </p:spPr>
+      </p:pic>
+      <p:pic>
+        <p:nvPicPr>
+          <p:cNvPr id="8" name="Picture 7">
+            <a:extLst>
+              <a:ext uri="{FF2B5EF4-FFF2-40B4-BE49-F238E27FC236}">
+                <a16:creationId xmlns:a16="http://schemas.microsoft.com/office/drawing/2014/main" id="{39470B04-4C7A-26AB-1465-BCE5A4B218B4}"/>
+              </a:ext>
+            </a:extLst>
+          </p:cNvPr>
+          <p:cNvPicPr>
+            <a:picLocks noChangeAspect="1"/>
+          </p:cNvPicPr>
+          <p:nvPr/>
+        </p:nvPicPr>
+        <p:blipFill>
+          <a:blip r:embed="rId3"/>
+          <a:stretch>
+            <a:fillRect/>
+          </a:stretch>
+        </p:blipFill>
+        <p:spPr>
+          <a:xfrm>
+            <a:off x="1959497" y="4109506"/>
+            <a:ext cx="7630588" cy="3815294"/>
+          </a:xfrm>
+          <a:prstGeom prst="rect">
+            <a:avLst/>
+          </a:prstGeom>
+        </p:spPr>
+      </p:pic>
+      <p:pic>
+        <p:nvPicPr>
+          <p:cNvPr id="5" name="Picture 4">
+            <a:extLst>
+              <a:ext uri="{FF2B5EF4-FFF2-40B4-BE49-F238E27FC236}">
+                <a16:creationId xmlns:a16="http://schemas.microsoft.com/office/drawing/2014/main" id="{93DE7694-C329-8364-BEC2-CAA81FF01B13}"/>
+              </a:ext>
+            </a:extLst>
+          </p:cNvPr>
+          <p:cNvPicPr>
+            <a:picLocks noChangeAspect="1"/>
+          </p:cNvPicPr>
+          <p:nvPr/>
+        </p:nvPicPr>
+        <p:blipFill>
+          <a:blip r:embed="rId4"/>
+          <a:stretch>
+            <a:fillRect/>
+          </a:stretch>
+        </p:blipFill>
+        <p:spPr>
+          <a:xfrm>
+            <a:off x="1968039" y="-424394"/>
+            <a:ext cx="7772400" cy="4533900"/>
+          </a:xfrm>
+          <a:prstGeom prst="rect">
+            <a:avLst/>
+          </a:prstGeom>
+        </p:spPr>
+      </p:pic>
+    </p:spTree>
+    <p:extLst>
+      <p:ext uri="{BB962C8B-B14F-4D97-AF65-F5344CB8AC3E}">
+        <p14:creationId xmlns:p14="http://schemas.microsoft.com/office/powerpoint/2010/main" val="4110619454"/>
+      </p:ext>
+    </p:extLst>
+  </p:cSld>
+  <p:clrMapOvr>
+    <a:masterClrMapping/>
+  </p:clrMapOvr>
+</p:sld>
+</file>
+
+<file path=ppt/slides/slide4.xml><?xml version="1.0" encoding="utf-8"?>
+<p:sld xmlns:a="http://schemas.openxmlformats.org/drawingml/2006/main" xmlns:r="http://schemas.openxmlformats.org/officeDocument/2006/relationships" xmlns:p="http://schemas.openxmlformats.org/presentationml/2006/main">
+  <p:cSld>
+    <p:spTree>
+      <p:nvGrpSpPr>
+        <p:cNvPr id="1" name=""/>
+        <p:cNvGrpSpPr/>
+        <p:nvPr/>
+      </p:nvGrpSpPr>
+      <p:grpSpPr>
+        <a:xfrm>
+          <a:off x="0" y="0"/>
+          <a:ext cx="0" cy="0"/>
+          <a:chOff x="0" y="0"/>
+          <a:chExt cx="0" cy="0"/>
+        </a:xfrm>
+      </p:grpSpPr>
     </p:spTree>
     <p:extLst>
       <p:ext uri="{BB962C8B-B14F-4D97-AF65-F5344CB8AC3E}">
@@ -4610,7 +4780,7 @@
 </p:sld>
 </file>
 
-<file path=ppt/slides/slide4.xml><?xml version="1.0" encoding="utf-8"?>
+<file path=ppt/slides/slide5.xml><?xml version="1.0" encoding="utf-8"?>
 <p:sld xmlns:a="http://schemas.openxmlformats.org/drawingml/2006/main" xmlns:r="http://schemas.openxmlformats.org/officeDocument/2006/relationships" xmlns:p="http://schemas.openxmlformats.org/presentationml/2006/main">
   <p:cSld>
     <p:spTree>

--- a/results/figures/illustrator/fig_1.pptx
+++ b/results/figures/illustrator/fig_1.pptx
@@ -201,7 +201,7 @@
           <a:p>
             <a:fld id="{BDC04606-80EF-5D44-9198-803DFA1FF3B4}" type="datetimeFigureOut">
               <a:rPr lang="pt-BR" smtClean="0"/>
-              <a:t>20/11/2024</a:t>
+              <a:t>13/01/2025</a:t>
             </a:fld>
             <a:endParaRPr lang="pt-BR"/>
           </a:p>
@@ -810,7 +810,7 @@
           <a:p>
             <a:fld id="{6BF8AF09-2E6E-734D-A53B-B5A016D0D6F1}" type="datetimeFigureOut">
               <a:rPr lang="pt-BR" smtClean="0"/>
-              <a:t>20/11/2024</a:t>
+              <a:t>13/01/2025</a:t>
             </a:fld>
             <a:endParaRPr lang="pt-BR"/>
           </a:p>
@@ -1010,7 +1010,7 @@
           <a:p>
             <a:fld id="{6BF8AF09-2E6E-734D-A53B-B5A016D0D6F1}" type="datetimeFigureOut">
               <a:rPr lang="pt-BR" smtClean="0"/>
-              <a:t>20/11/2024</a:t>
+              <a:t>13/01/2025</a:t>
             </a:fld>
             <a:endParaRPr lang="pt-BR"/>
           </a:p>
@@ -1220,7 +1220,7 @@
           <a:p>
             <a:fld id="{6BF8AF09-2E6E-734D-A53B-B5A016D0D6F1}" type="datetimeFigureOut">
               <a:rPr lang="pt-BR" smtClean="0"/>
-              <a:t>20/11/2024</a:t>
+              <a:t>13/01/2025</a:t>
             </a:fld>
             <a:endParaRPr lang="pt-BR"/>
           </a:p>
@@ -1420,7 +1420,7 @@
           <a:p>
             <a:fld id="{6BF8AF09-2E6E-734D-A53B-B5A016D0D6F1}" type="datetimeFigureOut">
               <a:rPr lang="pt-BR" smtClean="0"/>
-              <a:t>20/11/2024</a:t>
+              <a:t>13/01/2025</a:t>
             </a:fld>
             <a:endParaRPr lang="pt-BR"/>
           </a:p>
@@ -1696,7 +1696,7 @@
           <a:p>
             <a:fld id="{6BF8AF09-2E6E-734D-A53B-B5A016D0D6F1}" type="datetimeFigureOut">
               <a:rPr lang="pt-BR" smtClean="0"/>
-              <a:t>20/11/2024</a:t>
+              <a:t>13/01/2025</a:t>
             </a:fld>
             <a:endParaRPr lang="pt-BR"/>
           </a:p>
@@ -1964,7 +1964,7 @@
           <a:p>
             <a:fld id="{6BF8AF09-2E6E-734D-A53B-B5A016D0D6F1}" type="datetimeFigureOut">
               <a:rPr lang="pt-BR" smtClean="0"/>
-              <a:t>20/11/2024</a:t>
+              <a:t>13/01/2025</a:t>
             </a:fld>
             <a:endParaRPr lang="pt-BR"/>
           </a:p>
@@ -2379,7 +2379,7 @@
           <a:p>
             <a:fld id="{6BF8AF09-2E6E-734D-A53B-B5A016D0D6F1}" type="datetimeFigureOut">
               <a:rPr lang="pt-BR" smtClean="0"/>
-              <a:t>20/11/2024</a:t>
+              <a:t>13/01/2025</a:t>
             </a:fld>
             <a:endParaRPr lang="pt-BR"/>
           </a:p>
@@ -2521,7 +2521,7 @@
           <a:p>
             <a:fld id="{6BF8AF09-2E6E-734D-A53B-B5A016D0D6F1}" type="datetimeFigureOut">
               <a:rPr lang="pt-BR" smtClean="0"/>
-              <a:t>20/11/2024</a:t>
+              <a:t>13/01/2025</a:t>
             </a:fld>
             <a:endParaRPr lang="pt-BR"/>
           </a:p>
@@ -2634,7 +2634,7 @@
           <a:p>
             <a:fld id="{6BF8AF09-2E6E-734D-A53B-B5A016D0D6F1}" type="datetimeFigureOut">
               <a:rPr lang="pt-BR" smtClean="0"/>
-              <a:t>20/11/2024</a:t>
+              <a:t>13/01/2025</a:t>
             </a:fld>
             <a:endParaRPr lang="pt-BR"/>
           </a:p>
@@ -2947,7 +2947,7 @@
           <a:p>
             <a:fld id="{6BF8AF09-2E6E-734D-A53B-B5A016D0D6F1}" type="datetimeFigureOut">
               <a:rPr lang="pt-BR" smtClean="0"/>
-              <a:t>20/11/2024</a:t>
+              <a:t>13/01/2025</a:t>
             </a:fld>
             <a:endParaRPr lang="pt-BR"/>
           </a:p>
@@ -3236,7 +3236,7 @@
           <a:p>
             <a:fld id="{6BF8AF09-2E6E-734D-A53B-B5A016D0D6F1}" type="datetimeFigureOut">
               <a:rPr lang="pt-BR" smtClean="0"/>
-              <a:t>20/11/2024</a:t>
+              <a:t>13/01/2025</a:t>
             </a:fld>
             <a:endParaRPr lang="pt-BR"/>
           </a:p>
@@ -3479,7 +3479,7 @@
           <a:p>
             <a:fld id="{6BF8AF09-2E6E-734D-A53B-B5A016D0D6F1}" type="datetimeFigureOut">
               <a:rPr lang="pt-BR" smtClean="0"/>
-              <a:t>20/11/2024</a:t>
+              <a:t>13/01/2025</a:t>
             </a:fld>
             <a:endParaRPr lang="pt-BR"/>
           </a:p>
@@ -4612,7 +4612,7 @@
         </p:nvSpPr>
         <p:spPr>
           <a:xfrm>
-            <a:off x="-106017" y="-531347"/>
+            <a:off x="-106017" y="-623947"/>
             <a:ext cx="12298017" cy="9663867"/>
           </a:xfrm>
           <a:prstGeom prst="rect">
@@ -4737,6 +4737,76 @@
           </a:prstGeom>
         </p:spPr>
       </p:pic>
+      <p:sp>
+        <p:nvSpPr>
+          <p:cNvPr id="2" name="TextBox 1">
+            <a:extLst>
+              <a:ext uri="{FF2B5EF4-FFF2-40B4-BE49-F238E27FC236}">
+                <a16:creationId xmlns:a16="http://schemas.microsoft.com/office/drawing/2014/main" id="{4C0987A2-5BB2-B00B-4A3D-AF0C4F393EF2}"/>
+              </a:ext>
+            </a:extLst>
+          </p:cNvPr>
+          <p:cNvSpPr txBox="1"/>
+          <p:nvPr/>
+        </p:nvSpPr>
+        <p:spPr>
+          <a:xfrm>
+            <a:off x="1788771" y="-537960"/>
+            <a:ext cx="317716" cy="369332"/>
+          </a:xfrm>
+          <a:prstGeom prst="rect">
+            <a:avLst/>
+          </a:prstGeom>
+          <a:noFill/>
+        </p:spPr>
+        <p:txBody>
+          <a:bodyPr wrap="none" rtlCol="0">
+            <a:spAutoFit/>
+          </a:bodyPr>
+          <a:lstStyle/>
+          <a:p>
+            <a:r>
+              <a:rPr lang="es-ES_tradnl" dirty="0"/>
+              <a:t>A</a:t>
+            </a:r>
+          </a:p>
+        </p:txBody>
+      </p:sp>
+      <p:sp>
+        <p:nvSpPr>
+          <p:cNvPr id="3" name="TextBox 2">
+            <a:extLst>
+              <a:ext uri="{FF2B5EF4-FFF2-40B4-BE49-F238E27FC236}">
+                <a16:creationId xmlns:a16="http://schemas.microsoft.com/office/drawing/2014/main" id="{E75E2A21-493E-ACB2-FB30-3E8FA50945FB}"/>
+              </a:ext>
+            </a:extLst>
+          </p:cNvPr>
+          <p:cNvSpPr txBox="1"/>
+          <p:nvPr/>
+        </p:nvSpPr>
+        <p:spPr>
+          <a:xfrm>
+            <a:off x="1788771" y="3919336"/>
+            <a:ext cx="317716" cy="369332"/>
+          </a:xfrm>
+          <a:prstGeom prst="rect">
+            <a:avLst/>
+          </a:prstGeom>
+          <a:noFill/>
+        </p:spPr>
+        <p:txBody>
+          <a:bodyPr wrap="none" rtlCol="0">
+            <a:spAutoFit/>
+          </a:bodyPr>
+          <a:lstStyle/>
+          <a:p>
+            <a:r>
+              <a:rPr lang="es-ES_tradnl" dirty="0"/>
+              <a:t>B</a:t>
+            </a:r>
+          </a:p>
+        </p:txBody>
+      </p:sp>
     </p:spTree>
     <p:extLst>
       <p:ext uri="{BB962C8B-B14F-4D97-AF65-F5344CB8AC3E}">
@@ -4797,6 +4867,41 @@
           <a:chExt cx="0" cy="0"/>
         </a:xfrm>
       </p:grpSpPr>
+      <p:sp>
+        <p:nvSpPr>
+          <p:cNvPr id="2" name="TextBox 1">
+            <a:extLst>
+              <a:ext uri="{FF2B5EF4-FFF2-40B4-BE49-F238E27FC236}">
+                <a16:creationId xmlns:a16="http://schemas.microsoft.com/office/drawing/2014/main" id="{B3CBA570-9390-F519-C94D-ED61A3607496}"/>
+              </a:ext>
+            </a:extLst>
+          </p:cNvPr>
+          <p:cNvSpPr txBox="1"/>
+          <p:nvPr/>
+        </p:nvSpPr>
+        <p:spPr>
+          <a:xfrm>
+            <a:off x="5590309" y="3667991"/>
+            <a:ext cx="317716" cy="369332"/>
+          </a:xfrm>
+          <a:prstGeom prst="rect">
+            <a:avLst/>
+          </a:prstGeom>
+          <a:noFill/>
+        </p:spPr>
+        <p:txBody>
+          <a:bodyPr wrap="none" rtlCol="0">
+            <a:spAutoFit/>
+          </a:bodyPr>
+          <a:lstStyle/>
+          <a:p>
+            <a:r>
+              <a:rPr lang="es-ES_tradnl" dirty="0"/>
+              <a:t>A</a:t>
+            </a:r>
+          </a:p>
+        </p:txBody>
+      </p:sp>
     </p:spTree>
     <p:extLst>
       <p:ext uri="{BB962C8B-B14F-4D97-AF65-F5344CB8AC3E}">

--- a/results/figures/illustrator/fig_1.pptx
+++ b/results/figures/illustrator/fig_1.pptx
@@ -201,7 +201,7 @@
           <a:p>
             <a:fld id="{BDC04606-80EF-5D44-9198-803DFA1FF3B4}" type="datetimeFigureOut">
               <a:rPr lang="pt-BR" smtClean="0"/>
-              <a:t>20/11/2024</a:t>
+              <a:t>17/01/2025</a:t>
             </a:fld>
             <a:endParaRPr lang="pt-BR"/>
           </a:p>
@@ -810,7 +810,7 @@
           <a:p>
             <a:fld id="{6BF8AF09-2E6E-734D-A53B-B5A016D0D6F1}" type="datetimeFigureOut">
               <a:rPr lang="pt-BR" smtClean="0"/>
-              <a:t>20/11/2024</a:t>
+              <a:t>17/01/2025</a:t>
             </a:fld>
             <a:endParaRPr lang="pt-BR"/>
           </a:p>
@@ -1010,7 +1010,7 @@
           <a:p>
             <a:fld id="{6BF8AF09-2E6E-734D-A53B-B5A016D0D6F1}" type="datetimeFigureOut">
               <a:rPr lang="pt-BR" smtClean="0"/>
-              <a:t>20/11/2024</a:t>
+              <a:t>17/01/2025</a:t>
             </a:fld>
             <a:endParaRPr lang="pt-BR"/>
           </a:p>
@@ -1220,7 +1220,7 @@
           <a:p>
             <a:fld id="{6BF8AF09-2E6E-734D-A53B-B5A016D0D6F1}" type="datetimeFigureOut">
               <a:rPr lang="pt-BR" smtClean="0"/>
-              <a:t>20/11/2024</a:t>
+              <a:t>17/01/2025</a:t>
             </a:fld>
             <a:endParaRPr lang="pt-BR"/>
           </a:p>
@@ -1420,7 +1420,7 @@
           <a:p>
             <a:fld id="{6BF8AF09-2E6E-734D-A53B-B5A016D0D6F1}" type="datetimeFigureOut">
               <a:rPr lang="pt-BR" smtClean="0"/>
-              <a:t>20/11/2024</a:t>
+              <a:t>17/01/2025</a:t>
             </a:fld>
             <a:endParaRPr lang="pt-BR"/>
           </a:p>
@@ -1696,7 +1696,7 @@
           <a:p>
             <a:fld id="{6BF8AF09-2E6E-734D-A53B-B5A016D0D6F1}" type="datetimeFigureOut">
               <a:rPr lang="pt-BR" smtClean="0"/>
-              <a:t>20/11/2024</a:t>
+              <a:t>17/01/2025</a:t>
             </a:fld>
             <a:endParaRPr lang="pt-BR"/>
           </a:p>
@@ -1964,7 +1964,7 @@
           <a:p>
             <a:fld id="{6BF8AF09-2E6E-734D-A53B-B5A016D0D6F1}" type="datetimeFigureOut">
               <a:rPr lang="pt-BR" smtClean="0"/>
-              <a:t>20/11/2024</a:t>
+              <a:t>17/01/2025</a:t>
             </a:fld>
             <a:endParaRPr lang="pt-BR"/>
           </a:p>
@@ -2379,7 +2379,7 @@
           <a:p>
             <a:fld id="{6BF8AF09-2E6E-734D-A53B-B5A016D0D6F1}" type="datetimeFigureOut">
               <a:rPr lang="pt-BR" smtClean="0"/>
-              <a:t>20/11/2024</a:t>
+              <a:t>17/01/2025</a:t>
             </a:fld>
             <a:endParaRPr lang="pt-BR"/>
           </a:p>
@@ -2521,7 +2521,7 @@
           <a:p>
             <a:fld id="{6BF8AF09-2E6E-734D-A53B-B5A016D0D6F1}" type="datetimeFigureOut">
               <a:rPr lang="pt-BR" smtClean="0"/>
-              <a:t>20/11/2024</a:t>
+              <a:t>17/01/2025</a:t>
             </a:fld>
             <a:endParaRPr lang="pt-BR"/>
           </a:p>
@@ -2634,7 +2634,7 @@
           <a:p>
             <a:fld id="{6BF8AF09-2E6E-734D-A53B-B5A016D0D6F1}" type="datetimeFigureOut">
               <a:rPr lang="pt-BR" smtClean="0"/>
-              <a:t>20/11/2024</a:t>
+              <a:t>17/01/2025</a:t>
             </a:fld>
             <a:endParaRPr lang="pt-BR"/>
           </a:p>
@@ -2947,7 +2947,7 @@
           <a:p>
             <a:fld id="{6BF8AF09-2E6E-734D-A53B-B5A016D0D6F1}" type="datetimeFigureOut">
               <a:rPr lang="pt-BR" smtClean="0"/>
-              <a:t>20/11/2024</a:t>
+              <a:t>17/01/2025</a:t>
             </a:fld>
             <a:endParaRPr lang="pt-BR"/>
           </a:p>
@@ -3236,7 +3236,7 @@
           <a:p>
             <a:fld id="{6BF8AF09-2E6E-734D-A53B-B5A016D0D6F1}" type="datetimeFigureOut">
               <a:rPr lang="pt-BR" smtClean="0"/>
-              <a:t>20/11/2024</a:t>
+              <a:t>17/01/2025</a:t>
             </a:fld>
             <a:endParaRPr lang="pt-BR"/>
           </a:p>
@@ -3479,7 +3479,7 @@
           <a:p>
             <a:fld id="{6BF8AF09-2E6E-734D-A53B-B5A016D0D6F1}" type="datetimeFigureOut">
               <a:rPr lang="pt-BR" smtClean="0"/>
-              <a:t>20/11/2024</a:t>
+              <a:t>17/01/2025</a:t>
             </a:fld>
             <a:endParaRPr lang="pt-BR"/>
           </a:p>
@@ -4612,7 +4612,7 @@
         </p:nvSpPr>
         <p:spPr>
           <a:xfrm>
-            <a:off x="-106017" y="-531347"/>
+            <a:off x="-106017" y="-541507"/>
             <a:ext cx="12298017" cy="9663867"/>
           </a:xfrm>
           <a:prstGeom prst="rect">
@@ -4679,10 +4679,10 @@
       </p:pic>
       <p:pic>
         <p:nvPicPr>
-          <p:cNvPr id="8" name="Picture 7">
-            <a:extLst>
-              <a:ext uri="{FF2B5EF4-FFF2-40B4-BE49-F238E27FC236}">
-                <a16:creationId xmlns:a16="http://schemas.microsoft.com/office/drawing/2014/main" id="{39470B04-4C7A-26AB-1465-BCE5A4B218B4}"/>
+          <p:cNvPr id="5" name="Picture 4">
+            <a:extLst>
+              <a:ext uri="{FF2B5EF4-FFF2-40B4-BE49-F238E27FC236}">
+                <a16:creationId xmlns:a16="http://schemas.microsoft.com/office/drawing/2014/main" id="{93DE7694-C329-8364-BEC2-CAA81FF01B13}"/>
               </a:ext>
             </a:extLst>
           </p:cNvPr>
@@ -4699,8 +4699,8 @@
         </p:blipFill>
         <p:spPr>
           <a:xfrm>
-            <a:off x="1959497" y="4109506"/>
-            <a:ext cx="7630588" cy="3815294"/>
+            <a:off x="1968039" y="-424394"/>
+            <a:ext cx="7772400" cy="4533900"/>
           </a:xfrm>
           <a:prstGeom prst="rect">
             <a:avLst/>
@@ -4709,10 +4709,10 @@
       </p:pic>
       <p:pic>
         <p:nvPicPr>
-          <p:cNvPr id="5" name="Picture 4">
-            <a:extLst>
-              <a:ext uri="{FF2B5EF4-FFF2-40B4-BE49-F238E27FC236}">
-                <a16:creationId xmlns:a16="http://schemas.microsoft.com/office/drawing/2014/main" id="{93DE7694-C329-8364-BEC2-CAA81FF01B13}"/>
+          <p:cNvPr id="3" name="Picture 2">
+            <a:extLst>
+              <a:ext uri="{FF2B5EF4-FFF2-40B4-BE49-F238E27FC236}">
+                <a16:creationId xmlns:a16="http://schemas.microsoft.com/office/drawing/2014/main" id="{E1CF2FF0-8037-CF1A-5844-6C3E51DB130A}"/>
               </a:ext>
             </a:extLst>
           </p:cNvPr>
@@ -4729,14 +4729,84 @@
         </p:blipFill>
         <p:spPr>
           <a:xfrm>
-            <a:off x="1968039" y="-424394"/>
-            <a:ext cx="7772400" cy="4533900"/>
+            <a:off x="2196639" y="4109506"/>
+            <a:ext cx="7315200" cy="3657600"/>
           </a:xfrm>
           <a:prstGeom prst="rect">
             <a:avLst/>
           </a:prstGeom>
         </p:spPr>
       </p:pic>
+      <p:sp>
+        <p:nvSpPr>
+          <p:cNvPr id="4" name="TextBox 3">
+            <a:extLst>
+              <a:ext uri="{FF2B5EF4-FFF2-40B4-BE49-F238E27FC236}">
+                <a16:creationId xmlns:a16="http://schemas.microsoft.com/office/drawing/2014/main" id="{7D6F33C0-BC8B-769B-FCFD-BF7EDF4A6D5C}"/>
+              </a:ext>
+            </a:extLst>
+          </p:cNvPr>
+          <p:cNvSpPr txBox="1"/>
+          <p:nvPr/>
+        </p:nvSpPr>
+        <p:spPr>
+          <a:xfrm>
+            <a:off x="1878923" y="-419314"/>
+            <a:ext cx="317716" cy="369332"/>
+          </a:xfrm>
+          <a:prstGeom prst="rect">
+            <a:avLst/>
+          </a:prstGeom>
+          <a:noFill/>
+        </p:spPr>
+        <p:txBody>
+          <a:bodyPr wrap="none" rtlCol="0">
+            <a:spAutoFit/>
+          </a:bodyPr>
+          <a:lstStyle/>
+          <a:p>
+            <a:r>
+              <a:rPr lang="en-US" dirty="0"/>
+              <a:t>A</a:t>
+            </a:r>
+          </a:p>
+        </p:txBody>
+      </p:sp>
+      <p:sp>
+        <p:nvSpPr>
+          <p:cNvPr id="9" name="TextBox 8">
+            <a:extLst>
+              <a:ext uri="{FF2B5EF4-FFF2-40B4-BE49-F238E27FC236}">
+                <a16:creationId xmlns:a16="http://schemas.microsoft.com/office/drawing/2014/main" id="{025315B0-3874-AD81-0D8A-82D8496F8E59}"/>
+              </a:ext>
+            </a:extLst>
+          </p:cNvPr>
+          <p:cNvSpPr txBox="1"/>
+          <p:nvPr/>
+        </p:nvSpPr>
+        <p:spPr>
+          <a:xfrm>
+            <a:off x="1878923" y="3798542"/>
+            <a:ext cx="317716" cy="369332"/>
+          </a:xfrm>
+          <a:prstGeom prst="rect">
+            <a:avLst/>
+          </a:prstGeom>
+          <a:noFill/>
+        </p:spPr>
+        <p:txBody>
+          <a:bodyPr wrap="none" rtlCol="0">
+            <a:spAutoFit/>
+          </a:bodyPr>
+          <a:lstStyle/>
+          <a:p>
+            <a:r>
+              <a:rPr lang="en-US" dirty="0"/>
+              <a:t>B</a:t>
+            </a:r>
+          </a:p>
+        </p:txBody>
+      </p:sp>
     </p:spTree>
     <p:extLst>
       <p:ext uri="{BB962C8B-B14F-4D97-AF65-F5344CB8AC3E}">
@@ -4767,6 +4837,41 @@
           <a:chExt cx="0" cy="0"/>
         </a:xfrm>
       </p:grpSpPr>
+      <p:sp>
+        <p:nvSpPr>
+          <p:cNvPr id="2" name="TextBox 1">
+            <a:extLst>
+              <a:ext uri="{FF2B5EF4-FFF2-40B4-BE49-F238E27FC236}">
+                <a16:creationId xmlns:a16="http://schemas.microsoft.com/office/drawing/2014/main" id="{D0489F19-8121-FC02-F434-AE7A6A061584}"/>
+              </a:ext>
+            </a:extLst>
+          </p:cNvPr>
+          <p:cNvSpPr txBox="1"/>
+          <p:nvPr/>
+        </p:nvSpPr>
+        <p:spPr>
+          <a:xfrm>
+            <a:off x="4023360" y="3322320"/>
+            <a:ext cx="317716" cy="369332"/>
+          </a:xfrm>
+          <a:prstGeom prst="rect">
+            <a:avLst/>
+          </a:prstGeom>
+          <a:noFill/>
+        </p:spPr>
+        <p:txBody>
+          <a:bodyPr wrap="none" rtlCol="0">
+            <a:spAutoFit/>
+          </a:bodyPr>
+          <a:lstStyle/>
+          <a:p>
+            <a:r>
+              <a:rPr lang="en-US" dirty="0"/>
+              <a:t>A</a:t>
+            </a:r>
+          </a:p>
+        </p:txBody>
+      </p:sp>
     </p:spTree>
     <p:extLst>
       <p:ext uri="{BB962C8B-B14F-4D97-AF65-F5344CB8AC3E}">

--- a/results/figures/illustrator/fig_1.pptx
+++ b/results/figures/illustrator/fig_1.pptx
@@ -201,7 +201,7 @@
           <a:p>
             <a:fld id="{BDC04606-80EF-5D44-9198-803DFA1FF3B4}" type="datetimeFigureOut">
               <a:rPr lang="pt-BR" smtClean="0"/>
-              <a:t>13/01/2025</a:t>
+              <a:t>26/05/2025</a:t>
             </a:fld>
             <a:endParaRPr lang="pt-BR"/>
           </a:p>
@@ -661,6 +661,258 @@
 </p:notes>
 </file>
 
+<file path=ppt/notesSlides/notesSlide3.xml><?xml version="1.0" encoding="utf-8"?>
+<p:notes xmlns:a="http://schemas.openxmlformats.org/drawingml/2006/main" xmlns:r="http://schemas.openxmlformats.org/officeDocument/2006/relationships" xmlns:p="http://schemas.openxmlformats.org/presentationml/2006/main">
+  <p:cSld>
+    <p:spTree>
+      <p:nvGrpSpPr>
+        <p:cNvPr id="1" name=""/>
+        <p:cNvGrpSpPr/>
+        <p:nvPr/>
+      </p:nvGrpSpPr>
+      <p:grpSpPr>
+        <a:xfrm>
+          <a:off x="0" y="0"/>
+          <a:ext cx="0" cy="0"/>
+          <a:chOff x="0" y="0"/>
+          <a:chExt cx="0" cy="0"/>
+        </a:xfrm>
+      </p:grpSpPr>
+      <p:sp>
+        <p:nvSpPr>
+          <p:cNvPr id="2" name="Slide Image Placeholder 1"/>
+          <p:cNvSpPr>
+            <a:spLocks noGrp="1" noRot="1" noChangeAspect="1"/>
+          </p:cNvSpPr>
+          <p:nvPr>
+            <p:ph type="sldImg"/>
+          </p:nvPr>
+        </p:nvSpPr>
+        <p:spPr/>
+      </p:sp>
+      <p:sp>
+        <p:nvSpPr>
+          <p:cNvPr id="3" name="Notes Placeholder 2"/>
+          <p:cNvSpPr>
+            <a:spLocks noGrp="1"/>
+          </p:cNvSpPr>
+          <p:nvPr>
+            <p:ph type="body" idx="1"/>
+          </p:nvPr>
+        </p:nvSpPr>
+        <p:spPr/>
+        <p:txBody>
+          <a:bodyPr/>
+          <a:lstStyle/>
+          <a:p>
+            <a:endParaRPr lang="en-US"/>
+          </a:p>
+        </p:txBody>
+      </p:sp>
+      <p:sp>
+        <p:nvSpPr>
+          <p:cNvPr id="4" name="Slide Number Placeholder 3"/>
+          <p:cNvSpPr>
+            <a:spLocks noGrp="1"/>
+          </p:cNvSpPr>
+          <p:nvPr>
+            <p:ph type="sldNum" sz="quarter" idx="5"/>
+          </p:nvPr>
+        </p:nvSpPr>
+        <p:spPr/>
+        <p:txBody>
+          <a:bodyPr/>
+          <a:lstStyle/>
+          <a:p>
+            <a:fld id="{2EF02CD0-801B-0C4C-9E57-9C7742179810}" type="slidenum">
+              <a:rPr lang="pt-BR" smtClean="0"/>
+              <a:t>3</a:t>
+            </a:fld>
+            <a:endParaRPr lang="pt-BR"/>
+          </a:p>
+        </p:txBody>
+      </p:sp>
+    </p:spTree>
+    <p:extLst>
+      <p:ext uri="{BB962C8B-B14F-4D97-AF65-F5344CB8AC3E}">
+        <p14:creationId xmlns:p14="http://schemas.microsoft.com/office/powerpoint/2010/main" val="4002090146"/>
+      </p:ext>
+    </p:extLst>
+  </p:cSld>
+  <p:clrMapOvr>
+    <a:masterClrMapping/>
+  </p:clrMapOvr>
+</p:notes>
+</file>
+
+<file path=ppt/notesSlides/notesSlide4.xml><?xml version="1.0" encoding="utf-8"?>
+<p:notes xmlns:a="http://schemas.openxmlformats.org/drawingml/2006/main" xmlns:r="http://schemas.openxmlformats.org/officeDocument/2006/relationships" xmlns:p="http://schemas.openxmlformats.org/presentationml/2006/main">
+  <p:cSld>
+    <p:spTree>
+      <p:nvGrpSpPr>
+        <p:cNvPr id="1" name=""/>
+        <p:cNvGrpSpPr/>
+        <p:nvPr/>
+      </p:nvGrpSpPr>
+      <p:grpSpPr>
+        <a:xfrm>
+          <a:off x="0" y="0"/>
+          <a:ext cx="0" cy="0"/>
+          <a:chOff x="0" y="0"/>
+          <a:chExt cx="0" cy="0"/>
+        </a:xfrm>
+      </p:grpSpPr>
+      <p:sp>
+        <p:nvSpPr>
+          <p:cNvPr id="2" name="Slide Image Placeholder 1"/>
+          <p:cNvSpPr>
+            <a:spLocks noGrp="1" noRot="1" noChangeAspect="1"/>
+          </p:cNvSpPr>
+          <p:nvPr>
+            <p:ph type="sldImg"/>
+          </p:nvPr>
+        </p:nvSpPr>
+        <p:spPr/>
+      </p:sp>
+      <p:sp>
+        <p:nvSpPr>
+          <p:cNvPr id="3" name="Notes Placeholder 2"/>
+          <p:cNvSpPr>
+            <a:spLocks noGrp="1"/>
+          </p:cNvSpPr>
+          <p:nvPr>
+            <p:ph type="body" idx="1"/>
+          </p:nvPr>
+        </p:nvSpPr>
+        <p:spPr/>
+        <p:txBody>
+          <a:bodyPr/>
+          <a:lstStyle/>
+          <a:p>
+            <a:endParaRPr lang="en-US"/>
+          </a:p>
+        </p:txBody>
+      </p:sp>
+      <p:sp>
+        <p:nvSpPr>
+          <p:cNvPr id="4" name="Slide Number Placeholder 3"/>
+          <p:cNvSpPr>
+            <a:spLocks noGrp="1"/>
+          </p:cNvSpPr>
+          <p:nvPr>
+            <p:ph type="sldNum" sz="quarter" idx="5"/>
+          </p:nvPr>
+        </p:nvSpPr>
+        <p:spPr/>
+        <p:txBody>
+          <a:bodyPr/>
+          <a:lstStyle/>
+          <a:p>
+            <a:fld id="{2EF02CD0-801B-0C4C-9E57-9C7742179810}" type="slidenum">
+              <a:rPr lang="pt-BR" smtClean="0"/>
+              <a:t>4</a:t>
+            </a:fld>
+            <a:endParaRPr lang="pt-BR"/>
+          </a:p>
+        </p:txBody>
+      </p:sp>
+    </p:spTree>
+    <p:extLst>
+      <p:ext uri="{BB962C8B-B14F-4D97-AF65-F5344CB8AC3E}">
+        <p14:creationId xmlns:p14="http://schemas.microsoft.com/office/powerpoint/2010/main" val="953030691"/>
+      </p:ext>
+    </p:extLst>
+  </p:cSld>
+  <p:clrMapOvr>
+    <a:masterClrMapping/>
+  </p:clrMapOvr>
+</p:notes>
+</file>
+
+<file path=ppt/notesSlides/notesSlide5.xml><?xml version="1.0" encoding="utf-8"?>
+<p:notes xmlns:a="http://schemas.openxmlformats.org/drawingml/2006/main" xmlns:r="http://schemas.openxmlformats.org/officeDocument/2006/relationships" xmlns:p="http://schemas.openxmlformats.org/presentationml/2006/main">
+  <p:cSld>
+    <p:spTree>
+      <p:nvGrpSpPr>
+        <p:cNvPr id="1" name=""/>
+        <p:cNvGrpSpPr/>
+        <p:nvPr/>
+      </p:nvGrpSpPr>
+      <p:grpSpPr>
+        <a:xfrm>
+          <a:off x="0" y="0"/>
+          <a:ext cx="0" cy="0"/>
+          <a:chOff x="0" y="0"/>
+          <a:chExt cx="0" cy="0"/>
+        </a:xfrm>
+      </p:grpSpPr>
+      <p:sp>
+        <p:nvSpPr>
+          <p:cNvPr id="2" name="Slide Image Placeholder 1"/>
+          <p:cNvSpPr>
+            <a:spLocks noGrp="1" noRot="1" noChangeAspect="1"/>
+          </p:cNvSpPr>
+          <p:nvPr>
+            <p:ph type="sldImg"/>
+          </p:nvPr>
+        </p:nvSpPr>
+        <p:spPr/>
+      </p:sp>
+      <p:sp>
+        <p:nvSpPr>
+          <p:cNvPr id="3" name="Notes Placeholder 2"/>
+          <p:cNvSpPr>
+            <a:spLocks noGrp="1"/>
+          </p:cNvSpPr>
+          <p:nvPr>
+            <p:ph type="body" idx="1"/>
+          </p:nvPr>
+        </p:nvSpPr>
+        <p:spPr/>
+        <p:txBody>
+          <a:bodyPr/>
+          <a:lstStyle/>
+          <a:p>
+            <a:endParaRPr lang="en-US"/>
+          </a:p>
+        </p:txBody>
+      </p:sp>
+      <p:sp>
+        <p:nvSpPr>
+          <p:cNvPr id="4" name="Slide Number Placeholder 3"/>
+          <p:cNvSpPr>
+            <a:spLocks noGrp="1"/>
+          </p:cNvSpPr>
+          <p:nvPr>
+            <p:ph type="sldNum" sz="quarter" idx="5"/>
+          </p:nvPr>
+        </p:nvSpPr>
+        <p:spPr/>
+        <p:txBody>
+          <a:bodyPr/>
+          <a:lstStyle/>
+          <a:p>
+            <a:fld id="{2EF02CD0-801B-0C4C-9E57-9C7742179810}" type="slidenum">
+              <a:rPr lang="pt-BR" smtClean="0"/>
+              <a:t>5</a:t>
+            </a:fld>
+            <a:endParaRPr lang="pt-BR"/>
+          </a:p>
+        </p:txBody>
+      </p:sp>
+    </p:spTree>
+    <p:extLst>
+      <p:ext uri="{BB962C8B-B14F-4D97-AF65-F5344CB8AC3E}">
+        <p14:creationId xmlns:p14="http://schemas.microsoft.com/office/powerpoint/2010/main" val="4016180485"/>
+      </p:ext>
+    </p:extLst>
+  </p:cSld>
+  <p:clrMapOvr>
+    <a:masterClrMapping/>
+  </p:clrMapOvr>
+</p:notes>
+</file>
+
 <file path=ppt/slideLayouts/slideLayout1.xml><?xml version="1.0" encoding="utf-8"?>
 <p:sldLayout xmlns:a="http://schemas.openxmlformats.org/drawingml/2006/main" xmlns:r="http://schemas.openxmlformats.org/officeDocument/2006/relationships" xmlns:p="http://schemas.openxmlformats.org/presentationml/2006/main" type="title" preserve="1">
   <p:cSld name="Title Slide">
@@ -810,7 +1062,7 @@
           <a:p>
             <a:fld id="{6BF8AF09-2E6E-734D-A53B-B5A016D0D6F1}" type="datetimeFigureOut">
               <a:rPr lang="pt-BR" smtClean="0"/>
-              <a:t>13/01/2025</a:t>
+              <a:t>26/05/2025</a:t>
             </a:fld>
             <a:endParaRPr lang="pt-BR"/>
           </a:p>
@@ -1010,7 +1262,7 @@
           <a:p>
             <a:fld id="{6BF8AF09-2E6E-734D-A53B-B5A016D0D6F1}" type="datetimeFigureOut">
               <a:rPr lang="pt-BR" smtClean="0"/>
-              <a:t>13/01/2025</a:t>
+              <a:t>26/05/2025</a:t>
             </a:fld>
             <a:endParaRPr lang="pt-BR"/>
           </a:p>
@@ -1220,7 +1472,7 @@
           <a:p>
             <a:fld id="{6BF8AF09-2E6E-734D-A53B-B5A016D0D6F1}" type="datetimeFigureOut">
               <a:rPr lang="pt-BR" smtClean="0"/>
-              <a:t>13/01/2025</a:t>
+              <a:t>26/05/2025</a:t>
             </a:fld>
             <a:endParaRPr lang="pt-BR"/>
           </a:p>
@@ -1420,7 +1672,7 @@
           <a:p>
             <a:fld id="{6BF8AF09-2E6E-734D-A53B-B5A016D0D6F1}" type="datetimeFigureOut">
               <a:rPr lang="pt-BR" smtClean="0"/>
-              <a:t>13/01/2025</a:t>
+              <a:t>26/05/2025</a:t>
             </a:fld>
             <a:endParaRPr lang="pt-BR"/>
           </a:p>
@@ -1696,7 +1948,7 @@
           <a:p>
             <a:fld id="{6BF8AF09-2E6E-734D-A53B-B5A016D0D6F1}" type="datetimeFigureOut">
               <a:rPr lang="pt-BR" smtClean="0"/>
-              <a:t>13/01/2025</a:t>
+              <a:t>26/05/2025</a:t>
             </a:fld>
             <a:endParaRPr lang="pt-BR"/>
           </a:p>
@@ -1964,7 +2216,7 @@
           <a:p>
             <a:fld id="{6BF8AF09-2E6E-734D-A53B-B5A016D0D6F1}" type="datetimeFigureOut">
               <a:rPr lang="pt-BR" smtClean="0"/>
-              <a:t>13/01/2025</a:t>
+              <a:t>26/05/2025</a:t>
             </a:fld>
             <a:endParaRPr lang="pt-BR"/>
           </a:p>
@@ -2379,7 +2631,7 @@
           <a:p>
             <a:fld id="{6BF8AF09-2E6E-734D-A53B-B5A016D0D6F1}" type="datetimeFigureOut">
               <a:rPr lang="pt-BR" smtClean="0"/>
-              <a:t>13/01/2025</a:t>
+              <a:t>26/05/2025</a:t>
             </a:fld>
             <a:endParaRPr lang="pt-BR"/>
           </a:p>
@@ -2521,7 +2773,7 @@
           <a:p>
             <a:fld id="{6BF8AF09-2E6E-734D-A53B-B5A016D0D6F1}" type="datetimeFigureOut">
               <a:rPr lang="pt-BR" smtClean="0"/>
-              <a:t>13/01/2025</a:t>
+              <a:t>26/05/2025</a:t>
             </a:fld>
             <a:endParaRPr lang="pt-BR"/>
           </a:p>
@@ -2634,7 +2886,7 @@
           <a:p>
             <a:fld id="{6BF8AF09-2E6E-734D-A53B-B5A016D0D6F1}" type="datetimeFigureOut">
               <a:rPr lang="pt-BR" smtClean="0"/>
-              <a:t>13/01/2025</a:t>
+              <a:t>26/05/2025</a:t>
             </a:fld>
             <a:endParaRPr lang="pt-BR"/>
           </a:p>
@@ -2947,7 +3199,7 @@
           <a:p>
             <a:fld id="{6BF8AF09-2E6E-734D-A53B-B5A016D0D6F1}" type="datetimeFigureOut">
               <a:rPr lang="pt-BR" smtClean="0"/>
-              <a:t>13/01/2025</a:t>
+              <a:t>26/05/2025</a:t>
             </a:fld>
             <a:endParaRPr lang="pt-BR"/>
           </a:p>
@@ -3236,7 +3488,7 @@
           <a:p>
             <a:fld id="{6BF8AF09-2E6E-734D-A53B-B5A016D0D6F1}" type="datetimeFigureOut">
               <a:rPr lang="pt-BR" smtClean="0"/>
-              <a:t>13/01/2025</a:t>
+              <a:t>26/05/2025</a:t>
             </a:fld>
             <a:endParaRPr lang="pt-BR"/>
           </a:p>
@@ -3479,7 +3731,7 @@
           <a:p>
             <a:fld id="{6BF8AF09-2E6E-734D-A53B-B5A016D0D6F1}" type="datetimeFigureOut">
               <a:rPr lang="pt-BR" smtClean="0"/>
-              <a:t>13/01/2025</a:t>
+              <a:t>26/05/2025</a:t>
             </a:fld>
             <a:endParaRPr lang="pt-BR"/>
           </a:p>
@@ -4612,7 +4864,7 @@
         </p:nvSpPr>
         <p:spPr>
           <a:xfrm>
-            <a:off x="-106017" y="-623947"/>
+            <a:off x="-106017" y="-633374"/>
             <a:ext cx="12298017" cy="9663867"/>
           </a:xfrm>
           <a:prstGeom prst="rect">
@@ -4663,7 +4915,7 @@
           <p:nvPr/>
         </p:nvPicPr>
         <p:blipFill>
-          <a:blip r:embed="rId2"/>
+          <a:blip r:embed="rId3"/>
           <a:srcRect t="89735" b="2967"/>
           <a:stretch/>
         </p:blipFill>
@@ -4671,36 +4923,6 @@
           <a:xfrm>
             <a:off x="2512773" y="3838526"/>
             <a:ext cx="6364836" cy="270980"/>
-          </a:xfrm>
-          <a:prstGeom prst="rect">
-            <a:avLst/>
-          </a:prstGeom>
-        </p:spPr>
-      </p:pic>
-      <p:pic>
-        <p:nvPicPr>
-          <p:cNvPr id="8" name="Picture 7">
-            <a:extLst>
-              <a:ext uri="{FF2B5EF4-FFF2-40B4-BE49-F238E27FC236}">
-                <a16:creationId xmlns:a16="http://schemas.microsoft.com/office/drawing/2014/main" id="{39470B04-4C7A-26AB-1465-BCE5A4B218B4}"/>
-              </a:ext>
-            </a:extLst>
-          </p:cNvPr>
-          <p:cNvPicPr>
-            <a:picLocks noChangeAspect="1"/>
-          </p:cNvPicPr>
-          <p:nvPr/>
-        </p:nvPicPr>
-        <p:blipFill>
-          <a:blip r:embed="rId3"/>
-          <a:stretch>
-            <a:fillRect/>
-          </a:stretch>
-        </p:blipFill>
-        <p:spPr>
-          <a:xfrm>
-            <a:off x="1959497" y="4109506"/>
-            <a:ext cx="7630588" cy="3815294"/>
           </a:xfrm>
           <a:prstGeom prst="rect">
             <a:avLst/>
@@ -4807,6 +5029,36 @@
           </a:p>
         </p:txBody>
       </p:sp>
+      <p:pic>
+        <p:nvPicPr>
+          <p:cNvPr id="11" name="Picture 10">
+            <a:extLst>
+              <a:ext uri="{FF2B5EF4-FFF2-40B4-BE49-F238E27FC236}">
+                <a16:creationId xmlns:a16="http://schemas.microsoft.com/office/drawing/2014/main" id="{B3835915-0B62-7F4A-5F82-55F953225E25}"/>
+              </a:ext>
+            </a:extLst>
+          </p:cNvPr>
+          <p:cNvPicPr>
+            <a:picLocks noChangeAspect="1"/>
+          </p:cNvPicPr>
+          <p:nvPr/>
+        </p:nvPicPr>
+        <p:blipFill>
+          <a:blip r:embed="rId5"/>
+          <a:stretch>
+            <a:fillRect/>
+          </a:stretch>
+        </p:blipFill>
+        <p:spPr>
+          <a:xfrm>
+            <a:off x="2106487" y="4186001"/>
+            <a:ext cx="7315200" cy="3657600"/>
+          </a:xfrm>
+          <a:prstGeom prst="rect">
+            <a:avLst/>
+          </a:prstGeom>
+        </p:spPr>
+      </p:pic>
     </p:spTree>
     <p:extLst>
       <p:ext uri="{BB962C8B-B14F-4D97-AF65-F5344CB8AC3E}">
